--- a/materials/slides/ch03.pptx
+++ b/materials/slides/ch03.pptx
@@ -2318,7 +2318,6 @@
           <a:ln>
             <a:noFill/>
           </a:ln>
-          <a:extLst/>
         </p:spPr>
         <p:txBody>
           <a:bodyPr>
@@ -2538,7 +2537,6 @@
           <a:ln>
             <a:noFill/>
           </a:ln>
-          <a:extLst/>
         </p:spPr>
         <p:txBody>
           <a:bodyPr wrap="none" anchor="ctr"/>
@@ -2690,7 +2688,6 @@
           <a:ln>
             <a:noFill/>
           </a:ln>
-          <a:extLst/>
         </p:spPr>
         <p:txBody>
           <a:bodyPr wrap="none" anchor="ctr"/>
@@ -2838,7 +2835,6 @@
           <a:ln>
             <a:noFill/>
           </a:ln>
-          <a:extLst/>
         </p:spPr>
         <p:txBody>
           <a:bodyPr/>
@@ -4391,7 +4387,7 @@
               <a:pPr>
                 <a:defRPr/>
               </a:pPr>
-              <a:t>2018/4/4</a:t>
+              <a:t>2019/7/16</a:t>
             </a:fld>
             <a:endParaRPr lang="zh-CN" altLang="en-US"/>
           </a:p>
@@ -4710,7 +4706,7 @@
               <a:pPr>
                 <a:defRPr/>
               </a:pPr>
-              <a:t>2018/4/4</a:t>
+              <a:t>2019/7/16</a:t>
             </a:fld>
             <a:endParaRPr lang="zh-CN" altLang="en-US"/>
           </a:p>
@@ -10163,7 +10159,6 @@
             <a:noFill/>
           </a:ln>
           <a:effectLst/>
-          <a:extLst/>
         </p:spPr>
         <p:txBody>
           <a:bodyPr wrap="none" anchor="ctr"/>
@@ -11639,15 +11634,7 @@
             <a:pPr lvl="1"/>
             <a:r>
               <a:rPr lang="en-US" altLang="zh-CN" dirty="0"/>
-              <a:t>     &lt;</a:t>
-            </a:r>
-            <a:r>
-              <a:rPr lang="en-US" altLang="zh-CN"/>
-              <a:t>function &lt;lambda&gt; </a:t>
-            </a:r>
-            <a:r>
-              <a:rPr lang="en-US" altLang="zh-CN" dirty="0"/>
-              <a:t>at 0x030EAEF0&gt;</a:t>
+              <a:t>     &lt;function &lt;lambda&gt; at 0x030EAEF0&gt;</a:t>
             </a:r>
             <a:endParaRPr lang="zh-CN" altLang="zh-CN" dirty="0"/>
           </a:p>
@@ -11726,6 +11713,11 @@
               <a:rPr lang="zh-CN" altLang="zh-CN" dirty="0"/>
               <a:t>语句有且只有一个返回值</a:t>
             </a:r>
+            <a:r>
+              <a:rPr lang="en-US" altLang="zh-CN"/>
+              <a:t> </a:t>
+            </a:r>
+            <a:endParaRPr lang="zh-CN" altLang="zh-CN" dirty="0"/>
           </a:p>
           <a:p>
             <a:pPr lvl="1"/>

--- a/materials/slides/ch03.pptx
+++ b/materials/slides/ch03.pptx
@@ -2318,6 +2318,7 @@
           <a:ln>
             <a:noFill/>
           </a:ln>
+          <a:extLst/>
         </p:spPr>
         <p:txBody>
           <a:bodyPr>
@@ -2537,6 +2538,7 @@
           <a:ln>
             <a:noFill/>
           </a:ln>
+          <a:extLst/>
         </p:spPr>
         <p:txBody>
           <a:bodyPr wrap="none" anchor="ctr"/>
@@ -2688,6 +2690,7 @@
           <a:ln>
             <a:noFill/>
           </a:ln>
+          <a:extLst/>
         </p:spPr>
         <p:txBody>
           <a:bodyPr wrap="none" anchor="ctr"/>
@@ -2835,6 +2838,7 @@
           <a:ln>
             <a:noFill/>
           </a:ln>
+          <a:extLst/>
         </p:spPr>
         <p:txBody>
           <a:bodyPr/>
@@ -4387,7 +4391,7 @@
               <a:pPr>
                 <a:defRPr/>
               </a:pPr>
-              <a:t>2019/7/16</a:t>
+              <a:t>2018/4/4</a:t>
             </a:fld>
             <a:endParaRPr lang="zh-CN" altLang="en-US"/>
           </a:p>
@@ -4706,7 +4710,7 @@
               <a:pPr>
                 <a:defRPr/>
               </a:pPr>
-              <a:t>2019/7/16</a:t>
+              <a:t>2018/4/4</a:t>
             </a:fld>
             <a:endParaRPr lang="zh-CN" altLang="en-US"/>
           </a:p>
@@ -10159,6 +10163,7 @@
             <a:noFill/>
           </a:ln>
           <a:effectLst/>
+          <a:extLst/>
         </p:spPr>
         <p:txBody>
           <a:bodyPr wrap="none" anchor="ctr"/>
@@ -11634,7 +11639,15 @@
             <a:pPr lvl="1"/>
             <a:r>
               <a:rPr lang="en-US" altLang="zh-CN" dirty="0"/>
-              <a:t>     &lt;function &lt;lambda&gt; at 0x030EAEF0&gt;</a:t>
+              <a:t>     &lt;</a:t>
+            </a:r>
+            <a:r>
+              <a:rPr lang="en-US" altLang="zh-CN"/>
+              <a:t>function &lt;lambda&gt; </a:t>
+            </a:r>
+            <a:r>
+              <a:rPr lang="en-US" altLang="zh-CN" dirty="0"/>
+              <a:t>at 0x030EAEF0&gt;</a:t>
             </a:r>
             <a:endParaRPr lang="zh-CN" altLang="zh-CN" dirty="0"/>
           </a:p>
@@ -11713,11 +11726,6 @@
               <a:rPr lang="zh-CN" altLang="zh-CN" dirty="0"/>
               <a:t>语句有且只有一个返回值</a:t>
             </a:r>
-            <a:r>
-              <a:rPr lang="en-US" altLang="zh-CN"/>
-              <a:t> </a:t>
-            </a:r>
-            <a:endParaRPr lang="zh-CN" altLang="zh-CN" dirty="0"/>
           </a:p>
           <a:p>
             <a:pPr lvl="1"/>
